--- a/Slides/Weekly UA-UF/10-16-20_Order10_Comparisons.pptx
+++ b/Slides/Weekly UA-UF/10-16-20_Order10_Comparisons.pptx
@@ -2087,7 +2087,7 @@
           <a:p>
             <a:fld id="{0AA4C1EE-0C98-4B51-A8D5-1941794EF614}" type="datetimeFigureOut">
               <a:rPr lang="en-US" smtClean="0"/>
-              <a:t>10/16/2020</a:t>
+              <a:t>12/17/2020</a:t>
             </a:fld>
             <a:endParaRPr lang="en-US"/>
           </a:p>
@@ -2285,7 +2285,7 @@
           <a:p>
             <a:fld id="{0AA4C1EE-0C98-4B51-A8D5-1941794EF614}" type="datetimeFigureOut">
               <a:rPr lang="en-US" smtClean="0"/>
-              <a:t>10/16/2020</a:t>
+              <a:t>12/17/2020</a:t>
             </a:fld>
             <a:endParaRPr lang="en-US"/>
           </a:p>
@@ -2493,7 +2493,7 @@
           <a:p>
             <a:fld id="{0AA4C1EE-0C98-4B51-A8D5-1941794EF614}" type="datetimeFigureOut">
               <a:rPr lang="en-US" smtClean="0"/>
-              <a:t>10/16/2020</a:t>
+              <a:t>12/17/2020</a:t>
             </a:fld>
             <a:endParaRPr lang="en-US"/>
           </a:p>
@@ -3208,7 +3208,7 @@
           <a:p>
             <a:fld id="{0AA4C1EE-0C98-4B51-A8D5-1941794EF614}" type="datetimeFigureOut">
               <a:rPr lang="en-US" smtClean="0"/>
-              <a:t>10/16/2020</a:t>
+              <a:t>12/17/2020</a:t>
             </a:fld>
             <a:endParaRPr lang="en-US"/>
           </a:p>
@@ -3483,7 +3483,7 @@
           <a:p>
             <a:fld id="{0AA4C1EE-0C98-4B51-A8D5-1941794EF614}" type="datetimeFigureOut">
               <a:rPr lang="en-US" smtClean="0"/>
-              <a:t>10/16/2020</a:t>
+              <a:t>12/17/2020</a:t>
             </a:fld>
             <a:endParaRPr lang="en-US"/>
           </a:p>
@@ -3748,7 +3748,7 @@
           <a:p>
             <a:fld id="{0AA4C1EE-0C98-4B51-A8D5-1941794EF614}" type="datetimeFigureOut">
               <a:rPr lang="en-US" smtClean="0"/>
-              <a:t>10/16/2020</a:t>
+              <a:t>12/17/2020</a:t>
             </a:fld>
             <a:endParaRPr lang="en-US"/>
           </a:p>
@@ -4160,7 +4160,7 @@
           <a:p>
             <a:fld id="{0AA4C1EE-0C98-4B51-A8D5-1941794EF614}" type="datetimeFigureOut">
               <a:rPr lang="en-US" smtClean="0"/>
-              <a:t>10/16/2020</a:t>
+              <a:t>12/17/2020</a:t>
             </a:fld>
             <a:endParaRPr lang="en-US"/>
           </a:p>
@@ -4301,7 +4301,7 @@
           <a:p>
             <a:fld id="{0AA4C1EE-0C98-4B51-A8D5-1941794EF614}" type="datetimeFigureOut">
               <a:rPr lang="en-US" smtClean="0"/>
-              <a:t>10/16/2020</a:t>
+              <a:t>12/17/2020</a:t>
             </a:fld>
             <a:endParaRPr lang="en-US"/>
           </a:p>
@@ -4414,7 +4414,7 @@
           <a:p>
             <a:fld id="{0AA4C1EE-0C98-4B51-A8D5-1941794EF614}" type="datetimeFigureOut">
               <a:rPr lang="en-US" smtClean="0"/>
-              <a:t>10/16/2020</a:t>
+              <a:t>12/17/2020</a:t>
             </a:fld>
             <a:endParaRPr lang="en-US"/>
           </a:p>
@@ -4725,7 +4725,7 @@
           <a:p>
             <a:fld id="{0AA4C1EE-0C98-4B51-A8D5-1941794EF614}" type="datetimeFigureOut">
               <a:rPr lang="en-US" smtClean="0"/>
-              <a:t>10/16/2020</a:t>
+              <a:t>12/17/2020</a:t>
             </a:fld>
             <a:endParaRPr lang="en-US"/>
           </a:p>
@@ -5013,7 +5013,7 @@
           <a:p>
             <a:fld id="{0AA4C1EE-0C98-4B51-A8D5-1941794EF614}" type="datetimeFigureOut">
               <a:rPr lang="en-US" smtClean="0"/>
-              <a:t>10/16/2020</a:t>
+              <a:t>12/17/2020</a:t>
             </a:fld>
             <a:endParaRPr lang="en-US"/>
           </a:p>
@@ -5254,7 +5254,7 @@
           <a:p>
             <a:fld id="{0AA4C1EE-0C98-4B51-A8D5-1941794EF614}" type="datetimeFigureOut">
               <a:rPr lang="en-US" smtClean="0"/>
-              <a:t>10/16/2020</a:t>
+              <a:t>12/17/2020</a:t>
             </a:fld>
             <a:endParaRPr lang="en-US"/>
           </a:p>
@@ -6644,6 +6644,108 @@
           </a:prstGeom>
         </p:spPr>
       </p:pic>
+      <p:sp>
+        <p:nvSpPr>
+          <p:cNvPr id="2" name="TextBox 1">
+            <a:extLst>
+              <a:ext uri="{FF2B5EF4-FFF2-40B4-BE49-F238E27FC236}">
+                <a16:creationId xmlns:a16="http://schemas.microsoft.com/office/drawing/2014/main" id="{F7DCD385-103C-4CB2-BC14-769837D737D9}"/>
+              </a:ext>
+            </a:extLst>
+          </p:cNvPr>
+          <p:cNvSpPr txBox="1"/>
+          <p:nvPr/>
+        </p:nvSpPr>
+        <p:spPr>
+          <a:xfrm>
+            <a:off x="3446626" y="2348271"/>
+            <a:ext cx="49530" cy="160645"/>
+          </a:xfrm>
+          <a:prstGeom prst="rect">
+            <a:avLst/>
+          </a:prstGeom>
+          <a:solidFill>
+            <a:schemeClr val="bg1"/>
+          </a:solidFill>
+        </p:spPr>
+        <p:txBody>
+          <a:bodyPr wrap="square" rtlCol="0">
+            <a:spAutoFit/>
+          </a:bodyPr>
+          <a:lstStyle/>
+          <a:p>
+            <a:endParaRPr lang="en-US" sz="1100" dirty="0"/>
+          </a:p>
+        </p:txBody>
+      </p:sp>
+      <p:sp>
+        <p:nvSpPr>
+          <p:cNvPr id="13" name="TextBox 12">
+            <a:extLst>
+              <a:ext uri="{FF2B5EF4-FFF2-40B4-BE49-F238E27FC236}">
+                <a16:creationId xmlns:a16="http://schemas.microsoft.com/office/drawing/2014/main" id="{99462558-4A51-43A3-8A2F-FE3E4CC47FB8}"/>
+              </a:ext>
+            </a:extLst>
+          </p:cNvPr>
+          <p:cNvSpPr txBox="1"/>
+          <p:nvPr/>
+        </p:nvSpPr>
+        <p:spPr>
+          <a:xfrm>
+            <a:off x="10125076" y="3392735"/>
+            <a:ext cx="62478" cy="116437"/>
+          </a:xfrm>
+          <a:prstGeom prst="rect">
+            <a:avLst/>
+          </a:prstGeom>
+          <a:solidFill>
+            <a:schemeClr val="bg1"/>
+          </a:solidFill>
+        </p:spPr>
+        <p:txBody>
+          <a:bodyPr wrap="square" rtlCol="0">
+            <a:spAutoFit/>
+          </a:bodyPr>
+          <a:lstStyle/>
+          <a:p>
+            <a:endParaRPr lang="en-US" sz="1100" dirty="0"/>
+          </a:p>
+        </p:txBody>
+      </p:sp>
+      <p:sp>
+        <p:nvSpPr>
+          <p:cNvPr id="19" name="TextBox 18">
+            <a:extLst>
+              <a:ext uri="{FF2B5EF4-FFF2-40B4-BE49-F238E27FC236}">
+                <a16:creationId xmlns:a16="http://schemas.microsoft.com/office/drawing/2014/main" id="{17336CE7-649E-4298-82E5-6CBD37F54380}"/>
+              </a:ext>
+            </a:extLst>
+          </p:cNvPr>
+          <p:cNvSpPr txBox="1"/>
+          <p:nvPr/>
+        </p:nvSpPr>
+        <p:spPr>
+          <a:xfrm>
+            <a:off x="10147777" y="161254"/>
+            <a:ext cx="47395" cy="116437"/>
+          </a:xfrm>
+          <a:prstGeom prst="rect">
+            <a:avLst/>
+          </a:prstGeom>
+          <a:solidFill>
+            <a:schemeClr val="bg1"/>
+          </a:solidFill>
+        </p:spPr>
+        <p:txBody>
+          <a:bodyPr wrap="square" rtlCol="0">
+            <a:spAutoFit/>
+          </a:bodyPr>
+          <a:lstStyle/>
+          <a:p>
+            <a:endParaRPr lang="en-US" sz="1100" dirty="0"/>
+          </a:p>
+        </p:txBody>
+      </p:sp>
     </p:spTree>
     <p:extLst>
       <p:ext uri="{BB962C8B-B14F-4D97-AF65-F5344CB8AC3E}">
